--- a/KOPO-Spring(윤교수님)/Spring과제/Spring1강PPT.pptx
+++ b/KOPO-Spring(윤교수님)/Spring과제/Spring1강PPT.pptx
@@ -12,12 +12,9 @@
     <p:sldId id="268" r:id="rId6"/>
     <p:sldId id="269" r:id="rId7"/>
     <p:sldId id="270" r:id="rId8"/>
-    <p:sldId id="271" r:id="rId9"/>
-    <p:sldId id="272" r:id="rId10"/>
+    <p:sldId id="272" r:id="rId9"/>
+    <p:sldId id="271" r:id="rId10"/>
     <p:sldId id="273" r:id="rId11"/>
-    <p:sldId id="274" r:id="rId12"/>
-    <p:sldId id="275" r:id="rId13"/>
-    <p:sldId id="276" r:id="rId14"/>
   </p:sldIdLst>
   <p:sldSz cx="12192000" cy="6858000"/>
   <p:notesSz cx="6858000" cy="9144000"/>
@@ -3405,12 +3402,26 @@
           <a:p>
             <a:r>
               <a:rPr lang="en-US" altLang="ko-KR" dirty="0" smtClean="0">
+                <a:effectLst>
+                  <a:outerShdw blurRad="38100" dist="38100" dir="2700000" algn="tl">
+                    <a:srgbClr val="000000">
+                      <a:alpha val="43137"/>
+                    </a:srgbClr>
+                  </a:outerShdw>
+                </a:effectLst>
                 <a:latin typeface="+mj-ea"/>
               </a:rPr>
               <a:t>Spring 1</a:t>
             </a:r>
             <a:r>
               <a:rPr lang="ko-KR" altLang="en-US" dirty="0">
+                <a:effectLst>
+                  <a:outerShdw blurRad="38100" dist="38100" dir="2700000" algn="tl">
+                    <a:srgbClr val="000000">
+                      <a:alpha val="43137"/>
+                    </a:srgbClr>
+                  </a:outerShdw>
+                </a:effectLst>
                 <a:latin typeface="+mj-ea"/>
               </a:rPr>
               <a:t>강</a:t>
@@ -3527,100 +3538,365 @@
           <a:chExt cx="0" cy="0"/>
         </a:xfrm>
       </p:grpSpPr>
+      <p:pic>
+        <p:nvPicPr>
+          <p:cNvPr id="2" name="그림 1"/>
+          <p:cNvPicPr>
+            <a:picLocks noChangeAspect="1"/>
+          </p:cNvPicPr>
+          <p:nvPr/>
+        </p:nvPicPr>
+        <p:blipFill>
+          <a:blip r:embed="rId2"/>
+          <a:stretch>
+            <a:fillRect/>
+          </a:stretch>
+        </p:blipFill>
+        <p:spPr>
+          <a:xfrm>
+            <a:off x="6288274" y="3321442"/>
+            <a:ext cx="5406421" cy="3191652"/>
+          </a:xfrm>
+          <a:prstGeom prst="rect">
+            <a:avLst/>
+          </a:prstGeom>
+        </p:spPr>
+      </p:pic>
+      <p:pic>
+        <p:nvPicPr>
+          <p:cNvPr id="3" name="그림 2"/>
+          <p:cNvPicPr>
+            <a:picLocks noChangeAspect="1"/>
+          </p:cNvPicPr>
+          <p:nvPr/>
+        </p:nvPicPr>
+        <p:blipFill>
+          <a:blip r:embed="rId3"/>
+          <a:stretch>
+            <a:fillRect/>
+          </a:stretch>
+        </p:blipFill>
+        <p:spPr>
+          <a:xfrm>
+            <a:off x="390970" y="378314"/>
+            <a:ext cx="5486960" cy="6134780"/>
+          </a:xfrm>
+          <a:prstGeom prst="rect">
+            <a:avLst/>
+          </a:prstGeom>
+        </p:spPr>
+      </p:pic>
+      <p:sp>
+        <p:nvSpPr>
+          <p:cNvPr id="4" name="TextBox 3"/>
+          <p:cNvSpPr txBox="1"/>
+          <p:nvPr/>
+        </p:nvSpPr>
+        <p:spPr>
+          <a:xfrm>
+            <a:off x="6022309" y="378314"/>
+            <a:ext cx="5864892" cy="923330"/>
+          </a:xfrm>
+          <a:prstGeom prst="rect">
+            <a:avLst/>
+          </a:prstGeom>
+          <a:noFill/>
+        </p:spPr>
+        <p:txBody>
+          <a:bodyPr wrap="square" rtlCol="0">
+            <a:spAutoFit/>
+          </a:bodyPr>
+          <a:lstStyle/>
+          <a:p>
+            <a:pPr marL="285750" indent="-285750">
+              <a:lnSpc>
+                <a:spcPct val="150000"/>
+              </a:lnSpc>
+              <a:buFont typeface="Arial" panose="020B0604020202020204" pitchFamily="34" charset="0"/>
+              <a:buChar char="•"/>
+            </a:pPr>
+            <a:r>
+              <a:rPr lang="ko-KR" altLang="en-US" dirty="0" smtClean="0">
+                <a:latin typeface="+mn-ea"/>
+              </a:rPr>
+              <a:t>변경된 사항이 있을 때 마다 </a:t>
+            </a:r>
+            <a:r>
+              <a:rPr lang="en-US" altLang="ko-KR" dirty="0" smtClean="0">
+                <a:latin typeface="+mn-ea"/>
+              </a:rPr>
+              <a:t>update(Alt+F5)</a:t>
+            </a:r>
+            <a:r>
+              <a:rPr lang="ko-KR" altLang="en-US" dirty="0" smtClean="0">
+                <a:latin typeface="+mn-ea"/>
+              </a:rPr>
+              <a:t>를 해주고 </a:t>
+            </a:r>
+            <a:r>
+              <a:rPr lang="en-US" altLang="ko-KR" dirty="0" smtClean="0">
+                <a:latin typeface="+mn-ea"/>
+              </a:rPr>
+              <a:t>Run As</a:t>
+            </a:r>
+            <a:r>
+              <a:rPr lang="ko-KR" altLang="en-US" dirty="0" smtClean="0">
+                <a:latin typeface="+mn-ea"/>
+              </a:rPr>
+              <a:t>를 </a:t>
+            </a:r>
+            <a:r>
+              <a:rPr lang="ko-KR" altLang="en-US" dirty="0" err="1" smtClean="0">
+                <a:latin typeface="+mn-ea"/>
+              </a:rPr>
+              <a:t>재시작해서</a:t>
+            </a:r>
+            <a:r>
+              <a:rPr lang="ko-KR" altLang="en-US" dirty="0" smtClean="0">
+                <a:latin typeface="+mn-ea"/>
+              </a:rPr>
+              <a:t> 확인한다</a:t>
+            </a:r>
+            <a:r>
+              <a:rPr lang="en-US" altLang="ko-KR" dirty="0" smtClean="0">
+                <a:latin typeface="+mn-ea"/>
+              </a:rPr>
+              <a:t>.</a:t>
+            </a:r>
+          </a:p>
+        </p:txBody>
+      </p:sp>
+      <p:sp>
+        <p:nvSpPr>
+          <p:cNvPr id="5" name="TextBox 4"/>
+          <p:cNvSpPr txBox="1"/>
+          <p:nvPr/>
+        </p:nvSpPr>
+        <p:spPr>
+          <a:xfrm>
+            <a:off x="6022309" y="1857251"/>
+            <a:ext cx="5864892" cy="454292"/>
+          </a:xfrm>
+          <a:prstGeom prst="rect">
+            <a:avLst/>
+          </a:prstGeom>
+          <a:noFill/>
+        </p:spPr>
+        <p:txBody>
+          <a:bodyPr wrap="square" rtlCol="0">
+            <a:spAutoFit/>
+          </a:bodyPr>
+          <a:lstStyle/>
+          <a:p>
+            <a:pPr marL="285750" indent="-285750">
+              <a:lnSpc>
+                <a:spcPct val="150000"/>
+              </a:lnSpc>
+              <a:buFont typeface="Arial" panose="020B0604020202020204" pitchFamily="34" charset="0"/>
+              <a:buChar char="•"/>
+            </a:pPr>
+            <a:r>
+              <a:rPr lang="en-US" altLang="ko-KR" dirty="0" smtClean="0">
+                <a:latin typeface="+mn-ea"/>
+              </a:rPr>
+              <a:t>Run As </a:t>
+            </a:r>
+            <a:r>
+              <a:rPr lang="ko-KR" altLang="en-US" dirty="0" smtClean="0">
+                <a:latin typeface="+mn-ea"/>
+              </a:rPr>
+              <a:t>실행 시 보여지는 </a:t>
+            </a:r>
+            <a:r>
+              <a:rPr lang="en-US" altLang="ko-KR" dirty="0" smtClean="0">
+                <a:latin typeface="+mn-ea"/>
+              </a:rPr>
+              <a:t>Console </a:t>
+            </a:r>
+            <a:r>
+              <a:rPr lang="ko-KR" altLang="en-US" dirty="0" smtClean="0">
+                <a:latin typeface="+mn-ea"/>
+              </a:rPr>
+              <a:t>화면</a:t>
+            </a:r>
+            <a:endParaRPr lang="en-US" altLang="ko-KR" dirty="0" smtClean="0">
+              <a:latin typeface="+mn-ea"/>
+            </a:endParaRPr>
+          </a:p>
+        </p:txBody>
+      </p:sp>
+      <p:sp>
+        <p:nvSpPr>
+          <p:cNvPr id="6" name="아래쪽 화살표 5"/>
+          <p:cNvSpPr/>
+          <p:nvPr/>
+        </p:nvSpPr>
+        <p:spPr>
+          <a:xfrm>
+            <a:off x="8665997" y="2463566"/>
+            <a:ext cx="577516" cy="706579"/>
+          </a:xfrm>
+          <a:prstGeom prst="downArrow">
+            <a:avLst/>
+          </a:prstGeom>
+        </p:spPr>
+        <p:style>
+          <a:lnRef idx="2">
+            <a:schemeClr val="accent1">
+              <a:shade val="50000"/>
+            </a:schemeClr>
+          </a:lnRef>
+          <a:fillRef idx="1">
+            <a:schemeClr val="accent1"/>
+          </a:fillRef>
+          <a:effectRef idx="0">
+            <a:schemeClr val="accent1"/>
+          </a:effectRef>
+          <a:fontRef idx="minor">
+            <a:schemeClr val="lt1"/>
+          </a:fontRef>
+        </p:style>
+        <p:txBody>
+          <a:bodyPr rtlCol="0" anchor="ctr"/>
+          <a:lstStyle/>
+          <a:p>
+            <a:pPr algn="ctr"/>
+            <a:endParaRPr lang="ko-KR" altLang="en-US"/>
+          </a:p>
+        </p:txBody>
+      </p:sp>
+      <p:sp>
+        <p:nvSpPr>
+          <p:cNvPr id="7" name="모서리가 둥근 직사각형 6"/>
+          <p:cNvSpPr/>
+          <p:nvPr/>
+        </p:nvSpPr>
+        <p:spPr>
+          <a:xfrm>
+            <a:off x="852846" y="4165219"/>
+            <a:ext cx="785122" cy="200047"/>
+          </a:xfrm>
+          <a:prstGeom prst="roundRect">
+            <a:avLst/>
+          </a:prstGeom>
+          <a:noFill/>
+          <a:ln w="28575">
+            <a:solidFill>
+              <a:schemeClr val="accent2"/>
+            </a:solidFill>
+          </a:ln>
+        </p:spPr>
+        <p:style>
+          <a:lnRef idx="2">
+            <a:schemeClr val="accent1">
+              <a:shade val="50000"/>
+            </a:schemeClr>
+          </a:lnRef>
+          <a:fillRef idx="1">
+            <a:schemeClr val="accent1"/>
+          </a:fillRef>
+          <a:effectRef idx="0">
+            <a:schemeClr val="accent1"/>
+          </a:effectRef>
+          <a:fontRef idx="minor">
+            <a:schemeClr val="lt1"/>
+          </a:fontRef>
+        </p:style>
+        <p:txBody>
+          <a:bodyPr rtlCol="0" anchor="ctr"/>
+          <a:lstStyle/>
+          <a:p>
+            <a:pPr algn="ctr"/>
+            <a:endParaRPr lang="ko-KR" altLang="en-US"/>
+          </a:p>
+        </p:txBody>
+      </p:sp>
+      <p:sp>
+        <p:nvSpPr>
+          <p:cNvPr id="8" name="모서리가 둥근 직사각형 7"/>
+          <p:cNvSpPr/>
+          <p:nvPr/>
+        </p:nvSpPr>
+        <p:spPr>
+          <a:xfrm>
+            <a:off x="3223660" y="5868123"/>
+            <a:ext cx="2654269" cy="214625"/>
+          </a:xfrm>
+          <a:prstGeom prst="roundRect">
+            <a:avLst/>
+          </a:prstGeom>
+          <a:noFill/>
+          <a:ln w="28575">
+            <a:solidFill>
+              <a:schemeClr val="accent2"/>
+            </a:solidFill>
+          </a:ln>
+        </p:spPr>
+        <p:style>
+          <a:lnRef idx="2">
+            <a:schemeClr val="accent1">
+              <a:shade val="50000"/>
+            </a:schemeClr>
+          </a:lnRef>
+          <a:fillRef idx="1">
+            <a:schemeClr val="accent1"/>
+          </a:fillRef>
+          <a:effectRef idx="0">
+            <a:schemeClr val="accent1"/>
+          </a:effectRef>
+          <a:fontRef idx="minor">
+            <a:schemeClr val="lt1"/>
+          </a:fontRef>
+        </p:style>
+        <p:txBody>
+          <a:bodyPr rtlCol="0" anchor="ctr"/>
+          <a:lstStyle/>
+          <a:p>
+            <a:pPr algn="ctr"/>
+            <a:endParaRPr lang="ko-KR" altLang="en-US"/>
+          </a:p>
+        </p:txBody>
+      </p:sp>
+      <p:cxnSp>
+        <p:nvCxnSpPr>
+          <p:cNvPr id="9" name="직선 화살표 연결선 8"/>
+          <p:cNvCxnSpPr/>
+          <p:nvPr/>
+        </p:nvCxnSpPr>
+        <p:spPr>
+          <a:xfrm>
+            <a:off x="1637968" y="4265242"/>
+            <a:ext cx="1441313" cy="1515356"/>
+          </a:xfrm>
+          <a:prstGeom prst="straightConnector1">
+            <a:avLst/>
+          </a:prstGeom>
+          <a:ln w="28575">
+            <a:solidFill>
+              <a:schemeClr val="accent2"/>
+            </a:solidFill>
+            <a:tailEnd type="triangle"/>
+          </a:ln>
+        </p:spPr>
+        <p:style>
+          <a:lnRef idx="1">
+            <a:schemeClr val="accent1"/>
+          </a:lnRef>
+          <a:fillRef idx="0">
+            <a:schemeClr val="accent1"/>
+          </a:fillRef>
+          <a:effectRef idx="0">
+            <a:schemeClr val="accent1"/>
+          </a:effectRef>
+          <a:fontRef idx="minor">
+            <a:schemeClr val="tx1"/>
+          </a:fontRef>
+        </p:style>
+      </p:cxnSp>
     </p:spTree>
     <p:extLst>
       <p:ext uri="{BB962C8B-B14F-4D97-AF65-F5344CB8AC3E}">
         <p14:creationId xmlns:p14="http://schemas.microsoft.com/office/powerpoint/2010/main" val="3259992432"/>
-      </p:ext>
-    </p:extLst>
-  </p:cSld>
-  <p:clrMapOvr>
-    <a:masterClrMapping/>
-  </p:clrMapOvr>
-</p:sld>
-</file>
-
-<file path=ppt/slides/slide11.xml><?xml version="1.0" encoding="utf-8"?>
-<p:sld xmlns:a="http://schemas.openxmlformats.org/drawingml/2006/main" xmlns:r="http://schemas.openxmlformats.org/officeDocument/2006/relationships" xmlns:p="http://schemas.openxmlformats.org/presentationml/2006/main">
-  <p:cSld>
-    <p:spTree>
-      <p:nvGrpSpPr>
-        <p:cNvPr id="1" name=""/>
-        <p:cNvGrpSpPr/>
-        <p:nvPr/>
-      </p:nvGrpSpPr>
-      <p:grpSpPr>
-        <a:xfrm>
-          <a:off x="0" y="0"/>
-          <a:ext cx="0" cy="0"/>
-          <a:chOff x="0" y="0"/>
-          <a:chExt cx="0" cy="0"/>
-        </a:xfrm>
-      </p:grpSpPr>
-    </p:spTree>
-    <p:extLst>
-      <p:ext uri="{BB962C8B-B14F-4D97-AF65-F5344CB8AC3E}">
-        <p14:creationId xmlns:p14="http://schemas.microsoft.com/office/powerpoint/2010/main" val="2088395645"/>
-      </p:ext>
-    </p:extLst>
-  </p:cSld>
-  <p:clrMapOvr>
-    <a:masterClrMapping/>
-  </p:clrMapOvr>
-</p:sld>
-</file>
-
-<file path=ppt/slides/slide12.xml><?xml version="1.0" encoding="utf-8"?>
-<p:sld xmlns:a="http://schemas.openxmlformats.org/drawingml/2006/main" xmlns:r="http://schemas.openxmlformats.org/officeDocument/2006/relationships" xmlns:p="http://schemas.openxmlformats.org/presentationml/2006/main">
-  <p:cSld>
-    <p:spTree>
-      <p:nvGrpSpPr>
-        <p:cNvPr id="1" name=""/>
-        <p:cNvGrpSpPr/>
-        <p:nvPr/>
-      </p:nvGrpSpPr>
-      <p:grpSpPr>
-        <a:xfrm>
-          <a:off x="0" y="0"/>
-          <a:ext cx="0" cy="0"/>
-          <a:chOff x="0" y="0"/>
-          <a:chExt cx="0" cy="0"/>
-        </a:xfrm>
-      </p:grpSpPr>
-    </p:spTree>
-    <p:extLst>
-      <p:ext uri="{BB962C8B-B14F-4D97-AF65-F5344CB8AC3E}">
-        <p14:creationId xmlns:p14="http://schemas.microsoft.com/office/powerpoint/2010/main" val="3401809956"/>
-      </p:ext>
-    </p:extLst>
-  </p:cSld>
-  <p:clrMapOvr>
-    <a:masterClrMapping/>
-  </p:clrMapOvr>
-</p:sld>
-</file>
-
-<file path=ppt/slides/slide13.xml><?xml version="1.0" encoding="utf-8"?>
-<p:sld xmlns:a="http://schemas.openxmlformats.org/drawingml/2006/main" xmlns:r="http://schemas.openxmlformats.org/officeDocument/2006/relationships" xmlns:p="http://schemas.openxmlformats.org/presentationml/2006/main">
-  <p:cSld>
-    <p:spTree>
-      <p:nvGrpSpPr>
-        <p:cNvPr id="1" name=""/>
-        <p:cNvGrpSpPr/>
-        <p:nvPr/>
-      </p:nvGrpSpPr>
-      <p:grpSpPr>
-        <a:xfrm>
-          <a:off x="0" y="0"/>
-          <a:ext cx="0" cy="0"/>
-          <a:chOff x="0" y="0"/>
-          <a:chExt cx="0" cy="0"/>
-        </a:xfrm>
-      </p:grpSpPr>
-    </p:spTree>
-    <p:extLst>
-      <p:ext uri="{BB962C8B-B14F-4D97-AF65-F5344CB8AC3E}">
-        <p14:creationId xmlns:p14="http://schemas.microsoft.com/office/powerpoint/2010/main" val="295953003"/>
       </p:ext>
     </p:extLst>
   </p:cSld>
@@ -3669,11 +3945,15 @@
           <a:p>
             <a:r>
               <a:rPr lang="en-US" altLang="ko-KR" sz="6000" dirty="0"/>
-              <a:t>&lt; Ubuntu </a:t>
-            </a:r>
-            <a:r>
-              <a:rPr lang="ko-KR" altLang="en-US" sz="6000" dirty="0"/>
-              <a:t>설치과정 </a:t>
+              <a:t>&lt; </a:t>
+            </a:r>
+            <a:r>
+              <a:rPr lang="en-US" altLang="ko-KR" sz="6000" dirty="0" smtClean="0"/>
+              <a:t>spring </a:t>
+            </a:r>
+            <a:r>
+              <a:rPr lang="ko-KR" altLang="en-US" sz="6000" dirty="0" smtClean="0"/>
+              <a:t>시작 </a:t>
             </a:r>
             <a:r>
               <a:rPr lang="en-US" altLang="ko-KR" sz="6000" dirty="0"/>
@@ -3713,53 +3993,409 @@
           <a:chExt cx="0" cy="0"/>
         </a:xfrm>
       </p:grpSpPr>
-      <p:sp>
-        <p:nvSpPr>
-          <p:cNvPr id="2" name="제목 1"/>
-          <p:cNvSpPr>
-            <a:spLocks noGrp="1"/>
-          </p:cNvSpPr>
-          <p:nvPr>
-            <p:ph type="title"/>
-          </p:nvPr>
-        </p:nvSpPr>
-        <p:spPr>
-          <a:xfrm>
-            <a:off x="1143000" y="609600"/>
-            <a:ext cx="9875520" cy="876300"/>
-          </a:xfrm>
-        </p:spPr>
-        <p:txBody>
-          <a:bodyPr>
-            <a:normAutofit/>
+      <p:pic>
+        <p:nvPicPr>
+          <p:cNvPr id="3" name="그림 2"/>
+          <p:cNvPicPr>
+            <a:picLocks noChangeAspect="1"/>
+          </p:cNvPicPr>
+          <p:nvPr/>
+        </p:nvPicPr>
+        <p:blipFill>
+          <a:blip r:embed="rId2"/>
+          <a:stretch>
+            <a:fillRect/>
+          </a:stretch>
+        </p:blipFill>
+        <p:spPr>
+          <a:xfrm>
+            <a:off x="450319" y="1224927"/>
+            <a:ext cx="3963824" cy="5265810"/>
+          </a:xfrm>
+          <a:prstGeom prst="rect">
+            <a:avLst/>
+          </a:prstGeom>
+        </p:spPr>
+      </p:pic>
+      <p:pic>
+        <p:nvPicPr>
+          <p:cNvPr id="4" name="그림 3"/>
+          <p:cNvPicPr>
+            <a:picLocks noChangeAspect="1"/>
+          </p:cNvPicPr>
+          <p:nvPr/>
+        </p:nvPicPr>
+        <p:blipFill>
+          <a:blip r:embed="rId3"/>
+          <a:stretch>
+            <a:fillRect/>
+          </a:stretch>
+        </p:blipFill>
+        <p:spPr>
+          <a:xfrm>
+            <a:off x="5568842" y="1221769"/>
+            <a:ext cx="3980676" cy="5268968"/>
+          </a:xfrm>
+          <a:prstGeom prst="rect">
+            <a:avLst/>
+          </a:prstGeom>
+        </p:spPr>
+      </p:pic>
+      <p:sp>
+        <p:nvSpPr>
+          <p:cNvPr id="6" name="모서리가 둥근 직사각형 5"/>
+          <p:cNvSpPr/>
+          <p:nvPr/>
+        </p:nvSpPr>
+        <p:spPr>
+          <a:xfrm>
+            <a:off x="450319" y="1944124"/>
+            <a:ext cx="3963824" cy="2488698"/>
+          </a:xfrm>
+          <a:prstGeom prst="roundRect">
+            <a:avLst/>
+          </a:prstGeom>
+          <a:noFill/>
+          <a:ln w="28575">
+            <a:solidFill>
+              <a:schemeClr val="accent2"/>
+            </a:solidFill>
+          </a:ln>
+        </p:spPr>
+        <p:style>
+          <a:lnRef idx="2">
+            <a:schemeClr val="accent1">
+              <a:shade val="50000"/>
+            </a:schemeClr>
+          </a:lnRef>
+          <a:fillRef idx="1">
+            <a:schemeClr val="accent1"/>
+          </a:fillRef>
+          <a:effectRef idx="0">
+            <a:schemeClr val="accent1"/>
+          </a:effectRef>
+          <a:fontRef idx="minor">
+            <a:schemeClr val="lt1"/>
+          </a:fontRef>
+        </p:style>
+        <p:txBody>
+          <a:bodyPr rtlCol="0" anchor="ctr"/>
+          <a:lstStyle/>
+          <a:p>
+            <a:pPr algn="ctr"/>
+            <a:endParaRPr lang="ko-KR" altLang="en-US"/>
+          </a:p>
+        </p:txBody>
+      </p:sp>
+      <p:sp>
+        <p:nvSpPr>
+          <p:cNvPr id="7" name="모서리가 둥근 직사각형 6"/>
+          <p:cNvSpPr/>
+          <p:nvPr/>
+        </p:nvSpPr>
+        <p:spPr>
+          <a:xfrm>
+            <a:off x="5568842" y="2711456"/>
+            <a:ext cx="3183651" cy="715557"/>
+          </a:xfrm>
+          <a:prstGeom prst="roundRect">
+            <a:avLst/>
+          </a:prstGeom>
+          <a:noFill/>
+          <a:ln w="28575">
+            <a:solidFill>
+              <a:schemeClr val="accent2"/>
+            </a:solidFill>
+          </a:ln>
+        </p:spPr>
+        <p:style>
+          <a:lnRef idx="2">
+            <a:schemeClr val="accent1">
+              <a:shade val="50000"/>
+            </a:schemeClr>
+          </a:lnRef>
+          <a:fillRef idx="1">
+            <a:schemeClr val="accent1"/>
+          </a:fillRef>
+          <a:effectRef idx="0">
+            <a:schemeClr val="accent1"/>
+          </a:effectRef>
+          <a:fontRef idx="minor">
+            <a:schemeClr val="lt1"/>
+          </a:fontRef>
+        </p:style>
+        <p:txBody>
+          <a:bodyPr rtlCol="0" anchor="ctr"/>
+          <a:lstStyle/>
+          <a:p>
+            <a:pPr algn="ctr"/>
+            <a:endParaRPr lang="ko-KR" altLang="en-US"/>
+          </a:p>
+        </p:txBody>
+      </p:sp>
+      <p:sp>
+        <p:nvSpPr>
+          <p:cNvPr id="8" name="모서리가 둥근 직사각형 7"/>
+          <p:cNvSpPr/>
+          <p:nvPr/>
+        </p:nvSpPr>
+        <p:spPr>
+          <a:xfrm>
+            <a:off x="2277455" y="6196540"/>
+            <a:ext cx="672479" cy="214625"/>
+          </a:xfrm>
+          <a:prstGeom prst="roundRect">
+            <a:avLst/>
+          </a:prstGeom>
+          <a:noFill/>
+          <a:ln w="28575">
+            <a:solidFill>
+              <a:schemeClr val="accent2"/>
+            </a:solidFill>
+          </a:ln>
+        </p:spPr>
+        <p:style>
+          <a:lnRef idx="2">
+            <a:schemeClr val="accent1">
+              <a:shade val="50000"/>
+            </a:schemeClr>
+          </a:lnRef>
+          <a:fillRef idx="1">
+            <a:schemeClr val="accent1"/>
+          </a:fillRef>
+          <a:effectRef idx="0">
+            <a:schemeClr val="accent1"/>
+          </a:effectRef>
+          <a:fontRef idx="minor">
+            <a:schemeClr val="lt1"/>
+          </a:fontRef>
+        </p:style>
+        <p:txBody>
+          <a:bodyPr rtlCol="0" anchor="ctr"/>
+          <a:lstStyle/>
+          <a:p>
+            <a:pPr algn="ctr"/>
+            <a:endParaRPr lang="ko-KR" altLang="en-US"/>
+          </a:p>
+        </p:txBody>
+      </p:sp>
+      <p:sp>
+        <p:nvSpPr>
+          <p:cNvPr id="11" name="모서리가 둥근 직사각형 10"/>
+          <p:cNvSpPr/>
+          <p:nvPr/>
+        </p:nvSpPr>
+        <p:spPr>
+          <a:xfrm>
+            <a:off x="8047817" y="6225901"/>
+            <a:ext cx="778131" cy="197236"/>
+          </a:xfrm>
+          <a:prstGeom prst="roundRect">
+            <a:avLst/>
+          </a:prstGeom>
+          <a:noFill/>
+          <a:ln w="28575">
+            <a:solidFill>
+              <a:schemeClr val="accent2"/>
+            </a:solidFill>
+          </a:ln>
+        </p:spPr>
+        <p:style>
+          <a:lnRef idx="2">
+            <a:schemeClr val="accent1">
+              <a:shade val="50000"/>
+            </a:schemeClr>
+          </a:lnRef>
+          <a:fillRef idx="1">
+            <a:schemeClr val="accent1"/>
+          </a:fillRef>
+          <a:effectRef idx="0">
+            <a:schemeClr val="accent1"/>
+          </a:effectRef>
+          <a:fontRef idx="minor">
+            <a:schemeClr val="lt1"/>
+          </a:fontRef>
+        </p:style>
+        <p:txBody>
+          <a:bodyPr rtlCol="0" anchor="ctr"/>
+          <a:lstStyle/>
+          <a:p>
+            <a:pPr algn="ctr"/>
+            <a:endParaRPr lang="ko-KR" altLang="en-US"/>
+          </a:p>
+        </p:txBody>
+      </p:sp>
+      <p:sp>
+        <p:nvSpPr>
+          <p:cNvPr id="13" name="오른쪽 화살표 12"/>
+          <p:cNvSpPr/>
+          <p:nvPr/>
+        </p:nvSpPr>
+        <p:spPr>
+          <a:xfrm>
+            <a:off x="4699221" y="3188473"/>
+            <a:ext cx="675861" cy="405517"/>
+          </a:xfrm>
+          <a:prstGeom prst="rightArrow">
+            <a:avLst/>
+          </a:prstGeom>
+        </p:spPr>
+        <p:style>
+          <a:lnRef idx="2">
+            <a:schemeClr val="accent1">
+              <a:shade val="50000"/>
+            </a:schemeClr>
+          </a:lnRef>
+          <a:fillRef idx="1">
+            <a:schemeClr val="accent1"/>
+          </a:fillRef>
+          <a:effectRef idx="0">
+            <a:schemeClr val="accent1"/>
+          </a:effectRef>
+          <a:fontRef idx="minor">
+            <a:schemeClr val="lt1"/>
+          </a:fontRef>
+        </p:style>
+        <p:txBody>
+          <a:bodyPr rtlCol="0" anchor="ctr"/>
+          <a:lstStyle/>
+          <a:p>
+            <a:pPr algn="ctr"/>
+            <a:endParaRPr lang="ko-KR" altLang="en-US"/>
+          </a:p>
+        </p:txBody>
+      </p:sp>
+      <p:sp>
+        <p:nvSpPr>
+          <p:cNvPr id="14" name="TextBox 13"/>
+          <p:cNvSpPr txBox="1"/>
+          <p:nvPr/>
+        </p:nvSpPr>
+        <p:spPr>
+          <a:xfrm>
+            <a:off x="450319" y="415934"/>
+            <a:ext cx="8719458" cy="646331"/>
+          </a:xfrm>
+          <a:prstGeom prst="rect">
+            <a:avLst/>
+          </a:prstGeom>
+          <a:noFill/>
+        </p:spPr>
+        <p:txBody>
+          <a:bodyPr wrap="square" rtlCol="0">
+            <a:spAutoFit/>
           </a:bodyPr>
           <a:lstStyle/>
           <a:p>
-            <a:r>
-              <a:rPr lang="en-US" altLang="ko-KR" sz="4000" dirty="0">
-                <a:latin typeface="+mj-ea"/>
+            <a:pPr marL="342900" indent="-342900">
+              <a:buFont typeface="Arial" panose="020B0604020202020204" pitchFamily="34" charset="0"/>
+              <a:buChar char="•"/>
+            </a:pPr>
+            <a:r>
+              <a:rPr lang="en-US" altLang="ko-KR" sz="3600" dirty="0" smtClean="0">
+                <a:solidFill>
+                  <a:schemeClr val="accent1"/>
+                </a:solidFill>
+                <a:latin typeface="+mn-ea"/>
               </a:rPr>
-              <a:t>1. </a:t>
-            </a:r>
-            <a:r>
-              <a:rPr lang="en-US" altLang="ko-KR" sz="4000" dirty="0" err="1">
-                <a:latin typeface="+mj-ea"/>
+              <a:t>Spring </a:t>
+            </a:r>
+            <a:r>
+              <a:rPr lang="ko-KR" altLang="en-US" sz="3600" dirty="0" smtClean="0">
+                <a:solidFill>
+                  <a:schemeClr val="accent1"/>
+                </a:solidFill>
+                <a:latin typeface="+mn-ea"/>
               </a:rPr>
-              <a:t>VirtualBox</a:t>
-            </a:r>
-            <a:r>
-              <a:rPr lang="en-US" altLang="ko-KR" sz="4000" dirty="0">
-                <a:latin typeface="+mj-ea"/>
-              </a:rPr>
+              <a:t>프로젝트 생성</a:t>
+            </a:r>
+            <a:endParaRPr lang="ko-KR" altLang="en-US" sz="3600" dirty="0">
+              <a:solidFill>
+                <a:schemeClr val="accent1"/>
+              </a:solidFill>
+              <a:latin typeface="+mn-ea"/>
+            </a:endParaRPr>
+          </a:p>
+        </p:txBody>
+      </p:sp>
+      <p:sp>
+        <p:nvSpPr>
+          <p:cNvPr id="15" name="TextBox 14"/>
+          <p:cNvSpPr txBox="1"/>
+          <p:nvPr/>
+        </p:nvSpPr>
+        <p:spPr>
+          <a:xfrm>
+            <a:off x="9743278" y="2711456"/>
+            <a:ext cx="2165685" cy="1293624"/>
+          </a:xfrm>
+          <a:prstGeom prst="rect">
+            <a:avLst/>
+          </a:prstGeom>
+          <a:noFill/>
+        </p:spPr>
+        <p:txBody>
+          <a:bodyPr wrap="square" rtlCol="0">
+            <a:spAutoFit/>
+          </a:bodyPr>
+          <a:lstStyle/>
+          <a:p>
+            <a:pPr marL="285750" indent="-285750">
+              <a:lnSpc>
+                <a:spcPct val="150000"/>
+              </a:lnSpc>
+              <a:buFont typeface="Arial" panose="020B0604020202020204" pitchFamily="34" charset="0"/>
+              <a:buChar char="•"/>
+            </a:pPr>
+            <a:r>
+              <a:rPr lang="en-US" altLang="ko-KR" dirty="0" err="1" smtClean="0"/>
+              <a:t>DevTools</a:t>
+            </a:r>
+            <a:r>
+              <a:rPr lang="en-US" altLang="ko-KR" dirty="0" smtClean="0"/>
               <a:t> </a:t>
             </a:r>
             <a:r>
-              <a:rPr lang="ko-KR" altLang="en-US" sz="4000" dirty="0">
-                <a:latin typeface="+mj-ea"/>
-              </a:rPr>
-              <a:t>설치</a:t>
-            </a:r>
-            <a:endParaRPr lang="ko-KR" altLang="en-US" sz="4000" dirty="0"/>
+              <a:rPr lang="ko-KR" altLang="en-US" dirty="0" smtClean="0"/>
+              <a:t>추가</a:t>
+            </a:r>
+            <a:endParaRPr lang="en-US" altLang="ko-KR" dirty="0" smtClean="0"/>
+          </a:p>
+          <a:p>
+            <a:pPr marL="285750" indent="-285750">
+              <a:lnSpc>
+                <a:spcPct val="150000"/>
+              </a:lnSpc>
+              <a:buFont typeface="Arial" panose="020B0604020202020204" pitchFamily="34" charset="0"/>
+              <a:buChar char="•"/>
+            </a:pPr>
+            <a:r>
+              <a:rPr lang="en-US" altLang="ko-KR" dirty="0" smtClean="0"/>
+              <a:t>JPA </a:t>
+            </a:r>
+            <a:r>
+              <a:rPr lang="ko-KR" altLang="en-US" dirty="0" smtClean="0"/>
+              <a:t>추가</a:t>
+            </a:r>
+            <a:endParaRPr lang="en-US" altLang="ko-KR" dirty="0" smtClean="0"/>
+          </a:p>
+          <a:p>
+            <a:pPr marL="285750" indent="-285750">
+              <a:lnSpc>
+                <a:spcPct val="150000"/>
+              </a:lnSpc>
+              <a:buFont typeface="Arial" panose="020B0604020202020204" pitchFamily="34" charset="0"/>
+              <a:buChar char="•"/>
+            </a:pPr>
+            <a:r>
+              <a:rPr lang="en-US" altLang="ko-KR" dirty="0" smtClean="0"/>
+              <a:t>Web </a:t>
+            </a:r>
+            <a:r>
+              <a:rPr lang="ko-KR" altLang="en-US" dirty="0" smtClean="0"/>
+              <a:t>추가</a:t>
+            </a:r>
+            <a:endParaRPr lang="ko-KR" altLang="en-US" dirty="0"/>
           </a:p>
         </p:txBody>
       </p:sp>
@@ -3793,6 +4429,284 @@
           <a:chExt cx="0" cy="0"/>
         </a:xfrm>
       </p:grpSpPr>
+      <p:pic>
+        <p:nvPicPr>
+          <p:cNvPr id="2" name="그림 1"/>
+          <p:cNvPicPr>
+            <a:picLocks noChangeAspect="1"/>
+          </p:cNvPicPr>
+          <p:nvPr/>
+        </p:nvPicPr>
+        <p:blipFill>
+          <a:blip r:embed="rId2"/>
+          <a:stretch>
+            <a:fillRect/>
+          </a:stretch>
+        </p:blipFill>
+        <p:spPr>
+          <a:xfrm>
+            <a:off x="427896" y="404471"/>
+            <a:ext cx="7438386" cy="3493973"/>
+          </a:xfrm>
+          <a:prstGeom prst="rect">
+            <a:avLst/>
+          </a:prstGeom>
+        </p:spPr>
+      </p:pic>
+      <p:pic>
+        <p:nvPicPr>
+          <p:cNvPr id="3" name="그림 2"/>
+          <p:cNvPicPr>
+            <a:picLocks noChangeAspect="1"/>
+          </p:cNvPicPr>
+          <p:nvPr/>
+        </p:nvPicPr>
+        <p:blipFill>
+          <a:blip r:embed="rId3"/>
+          <a:stretch>
+            <a:fillRect/>
+          </a:stretch>
+        </p:blipFill>
+        <p:spPr>
+          <a:xfrm>
+            <a:off x="431986" y="4301440"/>
+            <a:ext cx="4013849" cy="1361423"/>
+          </a:xfrm>
+          <a:prstGeom prst="rect">
+            <a:avLst/>
+          </a:prstGeom>
+        </p:spPr>
+      </p:pic>
+      <p:sp>
+        <p:nvSpPr>
+          <p:cNvPr id="4" name="모서리가 둥근 직사각형 3"/>
+          <p:cNvSpPr/>
+          <p:nvPr/>
+        </p:nvSpPr>
+        <p:spPr>
+          <a:xfrm>
+            <a:off x="904008" y="2016758"/>
+            <a:ext cx="6186603" cy="421642"/>
+          </a:xfrm>
+          <a:prstGeom prst="roundRect">
+            <a:avLst/>
+          </a:prstGeom>
+          <a:noFill/>
+          <a:ln w="28575">
+            <a:solidFill>
+              <a:schemeClr val="accent2"/>
+            </a:solidFill>
+          </a:ln>
+        </p:spPr>
+        <p:style>
+          <a:lnRef idx="2">
+            <a:schemeClr val="accent1">
+              <a:shade val="50000"/>
+            </a:schemeClr>
+          </a:lnRef>
+          <a:fillRef idx="1">
+            <a:schemeClr val="accent1"/>
+          </a:fillRef>
+          <a:effectRef idx="0">
+            <a:schemeClr val="accent1"/>
+          </a:effectRef>
+          <a:fontRef idx="minor">
+            <a:schemeClr val="lt1"/>
+          </a:fontRef>
+        </p:style>
+        <p:txBody>
+          <a:bodyPr rtlCol="0" anchor="ctr"/>
+          <a:lstStyle/>
+          <a:p>
+            <a:pPr algn="ctr"/>
+            <a:endParaRPr lang="ko-KR" altLang="en-US"/>
+          </a:p>
+        </p:txBody>
+      </p:sp>
+      <p:sp>
+        <p:nvSpPr>
+          <p:cNvPr id="5" name="모서리가 둥근 직사각형 4"/>
+          <p:cNvSpPr/>
+          <p:nvPr/>
+        </p:nvSpPr>
+        <p:spPr>
+          <a:xfrm>
+            <a:off x="1719050" y="5128570"/>
+            <a:ext cx="1986675" cy="534293"/>
+          </a:xfrm>
+          <a:prstGeom prst="roundRect">
+            <a:avLst/>
+          </a:prstGeom>
+          <a:noFill/>
+          <a:ln w="28575">
+            <a:solidFill>
+              <a:schemeClr val="accent2"/>
+            </a:solidFill>
+          </a:ln>
+        </p:spPr>
+        <p:style>
+          <a:lnRef idx="2">
+            <a:schemeClr val="accent1">
+              <a:shade val="50000"/>
+            </a:schemeClr>
+          </a:lnRef>
+          <a:fillRef idx="1">
+            <a:schemeClr val="accent1"/>
+          </a:fillRef>
+          <a:effectRef idx="0">
+            <a:schemeClr val="accent1"/>
+          </a:effectRef>
+          <a:fontRef idx="minor">
+            <a:schemeClr val="lt1"/>
+          </a:fontRef>
+        </p:style>
+        <p:txBody>
+          <a:bodyPr rtlCol="0" anchor="ctr"/>
+          <a:lstStyle/>
+          <a:p>
+            <a:pPr algn="ctr"/>
+            <a:endParaRPr lang="ko-KR" altLang="en-US"/>
+          </a:p>
+        </p:txBody>
+      </p:sp>
+      <p:sp>
+        <p:nvSpPr>
+          <p:cNvPr id="7" name="TextBox 6"/>
+          <p:cNvSpPr txBox="1"/>
+          <p:nvPr/>
+        </p:nvSpPr>
+        <p:spPr>
+          <a:xfrm>
+            <a:off x="8106983" y="404470"/>
+            <a:ext cx="3667922" cy="464871"/>
+          </a:xfrm>
+          <a:prstGeom prst="rect">
+            <a:avLst/>
+          </a:prstGeom>
+          <a:noFill/>
+        </p:spPr>
+        <p:txBody>
+          <a:bodyPr wrap="square" rtlCol="0">
+            <a:spAutoFit/>
+          </a:bodyPr>
+          <a:lstStyle/>
+          <a:p>
+            <a:pPr marL="285750" indent="-285750">
+              <a:lnSpc>
+                <a:spcPct val="150000"/>
+              </a:lnSpc>
+              <a:buFont typeface="Arial" panose="020B0604020202020204" pitchFamily="34" charset="0"/>
+              <a:buChar char="•"/>
+            </a:pPr>
+            <a:r>
+              <a:rPr lang="en-US" altLang="ko-KR" dirty="0" smtClean="0"/>
+              <a:t>@</a:t>
+            </a:r>
+            <a:r>
+              <a:rPr lang="en-US" altLang="ko-KR" dirty="0" err="1" smtClean="0"/>
+              <a:t>EnableAutoConfiguration</a:t>
+            </a:r>
+            <a:r>
+              <a:rPr lang="en-US" altLang="ko-KR" dirty="0" smtClean="0"/>
+              <a:t> </a:t>
+            </a:r>
+            <a:r>
+              <a:rPr lang="ko-KR" altLang="en-US" dirty="0" smtClean="0"/>
+              <a:t>추가 </a:t>
+            </a:r>
+            <a:endParaRPr lang="ko-KR" altLang="en-US" dirty="0"/>
+          </a:p>
+        </p:txBody>
+      </p:sp>
+      <p:sp>
+        <p:nvSpPr>
+          <p:cNvPr id="8" name="TextBox 7"/>
+          <p:cNvSpPr txBox="1"/>
+          <p:nvPr/>
+        </p:nvSpPr>
+        <p:spPr>
+          <a:xfrm>
+            <a:off x="8106983" y="4301440"/>
+            <a:ext cx="3523543" cy="1754326"/>
+          </a:xfrm>
+          <a:prstGeom prst="rect">
+            <a:avLst/>
+          </a:prstGeom>
+          <a:noFill/>
+        </p:spPr>
+        <p:txBody>
+          <a:bodyPr wrap="square" rtlCol="0">
+            <a:spAutoFit/>
+          </a:bodyPr>
+          <a:lstStyle/>
+          <a:p>
+            <a:pPr marL="285750" indent="-285750">
+              <a:lnSpc>
+                <a:spcPct val="150000"/>
+              </a:lnSpc>
+              <a:buFont typeface="Arial" panose="020B0604020202020204" pitchFamily="34" charset="0"/>
+              <a:buChar char="•"/>
+            </a:pPr>
+            <a:r>
+              <a:rPr lang="en-US" altLang="ko-KR" dirty="0" err="1" smtClean="0"/>
+              <a:t>Src</a:t>
+            </a:r>
+            <a:r>
+              <a:rPr lang="en-US" altLang="ko-KR" dirty="0" smtClean="0"/>
+              <a:t>/main/resources </a:t>
+            </a:r>
+          </a:p>
+          <a:p>
+            <a:pPr marL="285750" indent="-285750">
+              <a:lnSpc>
+                <a:spcPct val="150000"/>
+              </a:lnSpc>
+              <a:buFont typeface="Arial" panose="020B0604020202020204" pitchFamily="34" charset="0"/>
+              <a:buChar char="•"/>
+            </a:pPr>
+            <a:r>
+              <a:rPr lang="en-US" altLang="ko-KR" dirty="0" smtClean="0"/>
+              <a:t>-&gt; static</a:t>
+            </a:r>
+          </a:p>
+          <a:p>
+            <a:pPr marL="285750" indent="-285750">
+              <a:lnSpc>
+                <a:spcPct val="150000"/>
+              </a:lnSpc>
+              <a:buFont typeface="Arial" panose="020B0604020202020204" pitchFamily="34" charset="0"/>
+              <a:buChar char="•"/>
+            </a:pPr>
+            <a:r>
+              <a:rPr lang="en-US" altLang="ko-KR" dirty="0" smtClean="0"/>
+              <a:t>-&gt; index.html </a:t>
+            </a:r>
+            <a:r>
+              <a:rPr lang="ko-KR" altLang="en-US" dirty="0" smtClean="0"/>
+              <a:t>파일 생성</a:t>
+            </a:r>
+            <a:endParaRPr lang="en-US" altLang="ko-KR" dirty="0" smtClean="0"/>
+          </a:p>
+          <a:p>
+            <a:pPr marL="285750" indent="-285750">
+              <a:lnSpc>
+                <a:spcPct val="150000"/>
+              </a:lnSpc>
+              <a:buFont typeface="Arial" panose="020B0604020202020204" pitchFamily="34" charset="0"/>
+              <a:buChar char="•"/>
+            </a:pPr>
+            <a:r>
+              <a:rPr lang="en-US" altLang="ko-KR" dirty="0" smtClean="0"/>
+              <a:t>-&gt; Hello World! </a:t>
+            </a:r>
+            <a:r>
+              <a:rPr lang="ko-KR" altLang="en-US" dirty="0" smtClean="0"/>
+              <a:t>작성 저장</a:t>
+            </a:r>
+            <a:endParaRPr lang="ko-KR" altLang="en-US" dirty="0"/>
+          </a:p>
+        </p:txBody>
+      </p:sp>
     </p:spTree>
     <p:extLst>
       <p:ext uri="{BB962C8B-B14F-4D97-AF65-F5344CB8AC3E}">
@@ -3823,6 +4737,294 @@
           <a:chExt cx="0" cy="0"/>
         </a:xfrm>
       </p:grpSpPr>
+      <p:pic>
+        <p:nvPicPr>
+          <p:cNvPr id="2" name="그림 1"/>
+          <p:cNvPicPr>
+            <a:picLocks noChangeAspect="1"/>
+          </p:cNvPicPr>
+          <p:nvPr/>
+        </p:nvPicPr>
+        <p:blipFill>
+          <a:blip r:embed="rId2"/>
+          <a:stretch>
+            <a:fillRect/>
+          </a:stretch>
+        </p:blipFill>
+        <p:spPr>
+          <a:xfrm>
+            <a:off x="407062" y="480856"/>
+            <a:ext cx="8640624" cy="2855902"/>
+          </a:xfrm>
+          <a:prstGeom prst="rect">
+            <a:avLst/>
+          </a:prstGeom>
+        </p:spPr>
+      </p:pic>
+      <p:pic>
+        <p:nvPicPr>
+          <p:cNvPr id="3" name="그림 2"/>
+          <p:cNvPicPr>
+            <a:picLocks noChangeAspect="1"/>
+          </p:cNvPicPr>
+          <p:nvPr/>
+        </p:nvPicPr>
+        <p:blipFill>
+          <a:blip r:embed="rId3"/>
+          <a:stretch>
+            <a:fillRect/>
+          </a:stretch>
+        </p:blipFill>
+        <p:spPr>
+          <a:xfrm>
+            <a:off x="407062" y="3949385"/>
+            <a:ext cx="8640624" cy="2231462"/>
+          </a:xfrm>
+          <a:prstGeom prst="rect">
+            <a:avLst/>
+          </a:prstGeom>
+        </p:spPr>
+      </p:pic>
+      <p:sp>
+        <p:nvSpPr>
+          <p:cNvPr id="4" name="모서리가 둥근 직사각형 3"/>
+          <p:cNvSpPr/>
+          <p:nvPr/>
+        </p:nvSpPr>
+        <p:spPr>
+          <a:xfrm>
+            <a:off x="867113" y="3015916"/>
+            <a:ext cx="1795876" cy="320842"/>
+          </a:xfrm>
+          <a:prstGeom prst="roundRect">
+            <a:avLst/>
+          </a:prstGeom>
+          <a:noFill/>
+          <a:ln w="28575">
+            <a:solidFill>
+              <a:schemeClr val="accent2"/>
+            </a:solidFill>
+          </a:ln>
+        </p:spPr>
+        <p:style>
+          <a:lnRef idx="2">
+            <a:schemeClr val="accent1">
+              <a:shade val="50000"/>
+            </a:schemeClr>
+          </a:lnRef>
+          <a:fillRef idx="1">
+            <a:schemeClr val="accent1"/>
+          </a:fillRef>
+          <a:effectRef idx="0">
+            <a:schemeClr val="accent1"/>
+          </a:effectRef>
+          <a:fontRef idx="minor">
+            <a:schemeClr val="lt1"/>
+          </a:fontRef>
+        </p:style>
+        <p:txBody>
+          <a:bodyPr rtlCol="0" anchor="ctr"/>
+          <a:lstStyle/>
+          <a:p>
+            <a:pPr algn="ctr"/>
+            <a:endParaRPr lang="ko-KR" altLang="en-US"/>
+          </a:p>
+        </p:txBody>
+      </p:sp>
+      <p:sp>
+        <p:nvSpPr>
+          <p:cNvPr id="5" name="모서리가 둥근 직사각형 4"/>
+          <p:cNvSpPr/>
+          <p:nvPr/>
+        </p:nvSpPr>
+        <p:spPr>
+          <a:xfrm>
+            <a:off x="3320143" y="793536"/>
+            <a:ext cx="1946585" cy="359100"/>
+          </a:xfrm>
+          <a:prstGeom prst="roundRect">
+            <a:avLst/>
+          </a:prstGeom>
+          <a:noFill/>
+          <a:ln w="28575">
+            <a:solidFill>
+              <a:schemeClr val="accent2"/>
+            </a:solidFill>
+          </a:ln>
+        </p:spPr>
+        <p:style>
+          <a:lnRef idx="2">
+            <a:schemeClr val="accent1">
+              <a:shade val="50000"/>
+            </a:schemeClr>
+          </a:lnRef>
+          <a:fillRef idx="1">
+            <a:schemeClr val="accent1"/>
+          </a:fillRef>
+          <a:effectRef idx="0">
+            <a:schemeClr val="accent1"/>
+          </a:effectRef>
+          <a:fontRef idx="minor">
+            <a:schemeClr val="lt1"/>
+          </a:fontRef>
+        </p:style>
+        <p:txBody>
+          <a:bodyPr rtlCol="0" anchor="ctr"/>
+          <a:lstStyle/>
+          <a:p>
+            <a:pPr algn="ctr"/>
+            <a:endParaRPr lang="ko-KR" altLang="en-US"/>
+          </a:p>
+        </p:txBody>
+      </p:sp>
+      <p:cxnSp>
+        <p:nvCxnSpPr>
+          <p:cNvPr id="6" name="직선 화살표 연결선 5"/>
+          <p:cNvCxnSpPr/>
+          <p:nvPr/>
+        </p:nvCxnSpPr>
+        <p:spPr>
+          <a:xfrm flipV="1">
+            <a:off x="2662989" y="1267326"/>
+            <a:ext cx="657154" cy="1746809"/>
+          </a:xfrm>
+          <a:prstGeom prst="straightConnector1">
+            <a:avLst/>
+          </a:prstGeom>
+          <a:ln w="28575">
+            <a:solidFill>
+              <a:schemeClr val="accent2"/>
+            </a:solidFill>
+            <a:tailEnd type="triangle"/>
+          </a:ln>
+        </p:spPr>
+        <p:style>
+          <a:lnRef idx="1">
+            <a:schemeClr val="accent1"/>
+          </a:lnRef>
+          <a:fillRef idx="0">
+            <a:schemeClr val="accent1"/>
+          </a:fillRef>
+          <a:effectRef idx="0">
+            <a:schemeClr val="accent1"/>
+          </a:effectRef>
+          <a:fontRef idx="minor">
+            <a:schemeClr val="tx1"/>
+          </a:fontRef>
+        </p:style>
+      </p:cxnSp>
+      <p:sp>
+        <p:nvSpPr>
+          <p:cNvPr id="11" name="TextBox 10"/>
+          <p:cNvSpPr txBox="1"/>
+          <p:nvPr/>
+        </p:nvSpPr>
+        <p:spPr>
+          <a:xfrm>
+            <a:off x="9047687" y="480856"/>
+            <a:ext cx="2775346" cy="1338828"/>
+          </a:xfrm>
+          <a:prstGeom prst="rect">
+            <a:avLst/>
+          </a:prstGeom>
+          <a:noFill/>
+        </p:spPr>
+        <p:txBody>
+          <a:bodyPr wrap="square" rtlCol="0">
+            <a:spAutoFit/>
+          </a:bodyPr>
+          <a:lstStyle/>
+          <a:p>
+            <a:pPr marL="285750" indent="-285750">
+              <a:lnSpc>
+                <a:spcPct val="150000"/>
+              </a:lnSpc>
+              <a:buFont typeface="Arial" panose="020B0604020202020204" pitchFamily="34" charset="0"/>
+              <a:buChar char="•"/>
+            </a:pPr>
+            <a:r>
+              <a:rPr lang="en-US" altLang="ko-KR" dirty="0" err="1" smtClean="0">
+                <a:latin typeface="+mn-ea"/>
+              </a:rPr>
+              <a:t>Application.properties</a:t>
+            </a:r>
+            <a:r>
+              <a:rPr lang="en-US" altLang="ko-KR" dirty="0" smtClean="0">
+                <a:latin typeface="+mn-ea"/>
+              </a:rPr>
+              <a:t>-&gt; </a:t>
+            </a:r>
+            <a:r>
+              <a:rPr lang="en-US" altLang="ko-KR" dirty="0" err="1" smtClean="0">
+                <a:latin typeface="+mn-ea"/>
+              </a:rPr>
+              <a:t>server.port</a:t>
+            </a:r>
+            <a:r>
+              <a:rPr lang="en-US" altLang="ko-KR" dirty="0" smtClean="0">
+                <a:latin typeface="+mn-ea"/>
+              </a:rPr>
+              <a:t> = 8081 </a:t>
+            </a:r>
+            <a:r>
+              <a:rPr lang="ko-KR" altLang="en-US" dirty="0" smtClean="0">
+                <a:latin typeface="+mn-ea"/>
+              </a:rPr>
+              <a:t>작성</a:t>
+            </a:r>
+            <a:endParaRPr lang="ko-KR" altLang="en-US" dirty="0">
+              <a:latin typeface="+mn-ea"/>
+            </a:endParaRPr>
+          </a:p>
+        </p:txBody>
+      </p:sp>
+      <p:sp>
+        <p:nvSpPr>
+          <p:cNvPr id="12" name="TextBox 11"/>
+          <p:cNvSpPr txBox="1"/>
+          <p:nvPr/>
+        </p:nvSpPr>
+        <p:spPr>
+          <a:xfrm>
+            <a:off x="9184045" y="3949385"/>
+            <a:ext cx="2775346" cy="869790"/>
+          </a:xfrm>
+          <a:prstGeom prst="rect">
+            <a:avLst/>
+          </a:prstGeom>
+          <a:noFill/>
+        </p:spPr>
+        <p:txBody>
+          <a:bodyPr wrap="square" rtlCol="0">
+            <a:spAutoFit/>
+          </a:bodyPr>
+          <a:lstStyle/>
+          <a:p>
+            <a:pPr marL="285750" indent="-285750">
+              <a:lnSpc>
+                <a:spcPct val="150000"/>
+              </a:lnSpc>
+              <a:buFont typeface="Arial" panose="020B0604020202020204" pitchFamily="34" charset="0"/>
+              <a:buChar char="•"/>
+            </a:pPr>
+            <a:r>
+              <a:rPr lang="en-US" altLang="ko-KR" dirty="0" smtClean="0">
+                <a:latin typeface="+mn-ea"/>
+              </a:rPr>
+              <a:t>Localhost:8081</a:t>
+            </a:r>
+            <a:r>
+              <a:rPr lang="ko-KR" altLang="en-US" dirty="0" smtClean="0">
+                <a:latin typeface="+mn-ea"/>
+              </a:rPr>
+              <a:t>에 접속하여 연결 확인</a:t>
+            </a:r>
+            <a:endParaRPr lang="ko-KR" altLang="en-US" dirty="0">
+              <a:latin typeface="+mn-ea"/>
+            </a:endParaRPr>
+          </a:p>
+        </p:txBody>
+      </p:sp>
     </p:spTree>
     <p:extLst>
       <p:ext uri="{BB962C8B-B14F-4D97-AF65-F5344CB8AC3E}">
@@ -3853,6 +5055,143 @@
           <a:chExt cx="0" cy="0"/>
         </a:xfrm>
       </p:grpSpPr>
+      <p:pic>
+        <p:nvPicPr>
+          <p:cNvPr id="2" name="그림 1"/>
+          <p:cNvPicPr>
+            <a:picLocks noChangeAspect="1"/>
+          </p:cNvPicPr>
+          <p:nvPr/>
+        </p:nvPicPr>
+        <p:blipFill>
+          <a:blip r:embed="rId2"/>
+          <a:stretch>
+            <a:fillRect/>
+          </a:stretch>
+        </p:blipFill>
+        <p:spPr>
+          <a:xfrm>
+            <a:off x="588809" y="470613"/>
+            <a:ext cx="9052495" cy="4637418"/>
+          </a:xfrm>
+          <a:prstGeom prst="rect">
+            <a:avLst/>
+          </a:prstGeom>
+        </p:spPr>
+      </p:pic>
+      <p:sp>
+        <p:nvSpPr>
+          <p:cNvPr id="3" name="TextBox 2"/>
+          <p:cNvSpPr txBox="1"/>
+          <p:nvPr/>
+        </p:nvSpPr>
+        <p:spPr>
+          <a:xfrm>
+            <a:off x="588809" y="5403897"/>
+            <a:ext cx="11171166" cy="878126"/>
+          </a:xfrm>
+          <a:prstGeom prst="rect">
+            <a:avLst/>
+          </a:prstGeom>
+          <a:noFill/>
+        </p:spPr>
+        <p:txBody>
+          <a:bodyPr wrap="square" rtlCol="0">
+            <a:spAutoFit/>
+          </a:bodyPr>
+          <a:lstStyle/>
+          <a:p>
+            <a:pPr marL="285750" indent="-285750">
+              <a:lnSpc>
+                <a:spcPct val="150000"/>
+              </a:lnSpc>
+              <a:buFont typeface="Arial" panose="020B0604020202020204" pitchFamily="34" charset="0"/>
+              <a:buChar char="•"/>
+            </a:pPr>
+            <a:r>
+              <a:rPr lang="ko-KR" altLang="en-US" dirty="0" smtClean="0"/>
+              <a:t>기본적으로 </a:t>
+            </a:r>
+            <a:r>
+              <a:rPr lang="en-US" altLang="ko-KR" dirty="0" smtClean="0"/>
+              <a:t>Spring </a:t>
+            </a:r>
+            <a:r>
+              <a:rPr lang="ko-KR" altLang="en-US" dirty="0" smtClean="0"/>
+              <a:t>프로젝트가 저장되는 경로</a:t>
+            </a:r>
+            <a:endParaRPr lang="en-US" altLang="ko-KR" dirty="0"/>
+          </a:p>
+          <a:p>
+            <a:pPr marL="285750" indent="-285750">
+              <a:lnSpc>
+                <a:spcPct val="150000"/>
+              </a:lnSpc>
+              <a:buFont typeface="Arial" panose="020B0604020202020204" pitchFamily="34" charset="0"/>
+              <a:buChar char="•"/>
+            </a:pPr>
+            <a:r>
+              <a:rPr lang="en-US" altLang="ko-KR" dirty="0" smtClean="0"/>
+              <a:t> </a:t>
+            </a:r>
+            <a:r>
+              <a:rPr lang="ko-KR" altLang="en-US" dirty="0" smtClean="0"/>
+              <a:t>만약에 버전 충돌이 나면 이 위치에서 확인해 보아야 한다</a:t>
+            </a:r>
+            <a:r>
+              <a:rPr lang="en-US" altLang="ko-KR" dirty="0" smtClean="0"/>
+              <a:t>.</a:t>
+            </a:r>
+            <a:endParaRPr lang="ko-KR" altLang="en-US" dirty="0"/>
+          </a:p>
+        </p:txBody>
+      </p:sp>
+      <p:sp>
+        <p:nvSpPr>
+          <p:cNvPr id="4" name="모서리가 둥근 직사각형 3"/>
+          <p:cNvSpPr/>
+          <p:nvPr/>
+        </p:nvSpPr>
+        <p:spPr>
+          <a:xfrm>
+            <a:off x="588809" y="470612"/>
+            <a:ext cx="6854728" cy="491913"/>
+          </a:xfrm>
+          <a:prstGeom prst="roundRect">
+            <a:avLst/>
+          </a:prstGeom>
+          <a:noFill/>
+          <a:ln w="28575">
+            <a:solidFill>
+              <a:schemeClr val="accent2"/>
+            </a:solidFill>
+          </a:ln>
+        </p:spPr>
+        <p:style>
+          <a:lnRef idx="2">
+            <a:schemeClr val="accent1">
+              <a:shade val="50000"/>
+            </a:schemeClr>
+          </a:lnRef>
+          <a:fillRef idx="1">
+            <a:schemeClr val="accent1"/>
+          </a:fillRef>
+          <a:effectRef idx="0">
+            <a:schemeClr val="accent1"/>
+          </a:effectRef>
+          <a:fontRef idx="minor">
+            <a:schemeClr val="lt1"/>
+          </a:fontRef>
+        </p:style>
+        <p:txBody>
+          <a:bodyPr rtlCol="0" anchor="ctr"/>
+          <a:lstStyle/>
+          <a:p>
+            <a:pPr algn="ctr"/>
+            <a:endParaRPr lang="ko-KR" altLang="en-US"/>
+          </a:p>
+        </p:txBody>
+      </p:sp>
     </p:spTree>
     <p:extLst>
       <p:ext uri="{BB962C8B-B14F-4D97-AF65-F5344CB8AC3E}">
@@ -3883,6 +5222,340 @@
           <a:chExt cx="0" cy="0"/>
         </a:xfrm>
       </p:grpSpPr>
+      <p:pic>
+        <p:nvPicPr>
+          <p:cNvPr id="2" name="그림 1"/>
+          <p:cNvPicPr>
+            <a:picLocks noChangeAspect="1"/>
+          </p:cNvPicPr>
+          <p:nvPr/>
+        </p:nvPicPr>
+        <p:blipFill>
+          <a:blip r:embed="rId2"/>
+          <a:stretch>
+            <a:fillRect/>
+          </a:stretch>
+        </p:blipFill>
+        <p:spPr>
+          <a:xfrm>
+            <a:off x="518465" y="409152"/>
+            <a:ext cx="4896217" cy="6099167"/>
+          </a:xfrm>
+          <a:prstGeom prst="rect">
+            <a:avLst/>
+          </a:prstGeom>
+        </p:spPr>
+      </p:pic>
+      <p:sp>
+        <p:nvSpPr>
+          <p:cNvPr id="3" name="TextBox 2"/>
+          <p:cNvSpPr txBox="1"/>
+          <p:nvPr/>
+        </p:nvSpPr>
+        <p:spPr>
+          <a:xfrm>
+            <a:off x="5888599" y="542854"/>
+            <a:ext cx="5829300" cy="2585323"/>
+          </a:xfrm>
+          <a:prstGeom prst="rect">
+            <a:avLst/>
+          </a:prstGeom>
+          <a:noFill/>
+        </p:spPr>
+        <p:txBody>
+          <a:bodyPr wrap="square" rtlCol="0">
+            <a:spAutoFit/>
+          </a:bodyPr>
+          <a:lstStyle/>
+          <a:p>
+            <a:pPr marL="285750" indent="-285750">
+              <a:lnSpc>
+                <a:spcPct val="150000"/>
+              </a:lnSpc>
+              <a:buFont typeface="Arial" panose="020B0604020202020204" pitchFamily="34" charset="0"/>
+              <a:buChar char="•"/>
+            </a:pPr>
+            <a:r>
+              <a:rPr lang="ko-KR" altLang="en-US" dirty="0" err="1" smtClean="0">
+                <a:latin typeface="+mn-ea"/>
+              </a:rPr>
+              <a:t>이클립스</a:t>
+            </a:r>
+            <a:r>
+              <a:rPr lang="ko-KR" altLang="en-US" dirty="0" smtClean="0">
+                <a:latin typeface="+mn-ea"/>
+              </a:rPr>
+              <a:t> </a:t>
+            </a:r>
+            <a:r>
+              <a:rPr lang="en-US" altLang="ko-KR" dirty="0" smtClean="0">
+                <a:latin typeface="+mn-ea"/>
+              </a:rPr>
+              <a:t>Spring</a:t>
+            </a:r>
+            <a:r>
+              <a:rPr lang="ko-KR" altLang="en-US" dirty="0">
+                <a:latin typeface="+mn-ea"/>
+              </a:rPr>
+              <a:t> </a:t>
+            </a:r>
+            <a:r>
+              <a:rPr lang="ko-KR" altLang="en-US" dirty="0" smtClean="0">
+                <a:latin typeface="+mn-ea"/>
+              </a:rPr>
+              <a:t> </a:t>
+            </a:r>
+            <a:r>
+              <a:rPr lang="ko-KR" altLang="en-US" dirty="0" err="1" smtClean="0">
+                <a:latin typeface="+mn-ea"/>
+              </a:rPr>
+              <a:t>재시작</a:t>
+            </a:r>
+            <a:r>
+              <a:rPr lang="ko-KR" altLang="en-US" dirty="0" smtClean="0">
+                <a:latin typeface="+mn-ea"/>
+              </a:rPr>
+              <a:t> </a:t>
+            </a:r>
+            <a:endParaRPr lang="en-US" altLang="ko-KR" dirty="0" smtClean="0">
+              <a:latin typeface="+mn-ea"/>
+            </a:endParaRPr>
+          </a:p>
+          <a:p>
+            <a:pPr marL="285750" indent="-285750">
+              <a:lnSpc>
+                <a:spcPct val="150000"/>
+              </a:lnSpc>
+              <a:buFont typeface="Arial" panose="020B0604020202020204" pitchFamily="34" charset="0"/>
+              <a:buChar char="•"/>
+            </a:pPr>
+            <a:r>
+              <a:rPr lang="en-US" altLang="ko-KR" dirty="0" smtClean="0">
+                <a:latin typeface="+mn-ea"/>
+              </a:rPr>
+              <a:t>-&gt; </a:t>
+            </a:r>
+            <a:r>
+              <a:rPr lang="ko-KR" altLang="en-US" dirty="0" smtClean="0">
+                <a:latin typeface="+mn-ea"/>
+              </a:rPr>
+              <a:t>프로젝트 </a:t>
+            </a:r>
+            <a:r>
+              <a:rPr lang="ko-KR" altLang="en-US" dirty="0" err="1" smtClean="0">
+                <a:latin typeface="+mn-ea"/>
+              </a:rPr>
+              <a:t>우클릭</a:t>
+            </a:r>
+            <a:r>
+              <a:rPr lang="ko-KR" altLang="en-US" dirty="0" smtClean="0">
+                <a:latin typeface="+mn-ea"/>
+              </a:rPr>
+              <a:t> </a:t>
+            </a:r>
+            <a:endParaRPr lang="en-US" altLang="ko-KR" dirty="0" smtClean="0">
+              <a:latin typeface="+mn-ea"/>
+            </a:endParaRPr>
+          </a:p>
+          <a:p>
+            <a:pPr marL="285750" indent="-285750">
+              <a:lnSpc>
+                <a:spcPct val="150000"/>
+              </a:lnSpc>
+              <a:buFont typeface="Arial" panose="020B0604020202020204" pitchFamily="34" charset="0"/>
+              <a:buChar char="•"/>
+            </a:pPr>
+            <a:r>
+              <a:rPr lang="en-US" altLang="ko-KR" dirty="0" smtClean="0">
+                <a:latin typeface="+mn-ea"/>
+              </a:rPr>
+              <a:t>-&gt; Maven </a:t>
+            </a:r>
+          </a:p>
+          <a:p>
+            <a:pPr marL="285750" indent="-285750">
+              <a:lnSpc>
+                <a:spcPct val="150000"/>
+              </a:lnSpc>
+              <a:buFont typeface="Arial" panose="020B0604020202020204" pitchFamily="34" charset="0"/>
+              <a:buChar char="•"/>
+            </a:pPr>
+            <a:r>
+              <a:rPr lang="en-US" altLang="ko-KR" dirty="0" smtClean="0">
+                <a:latin typeface="+mn-ea"/>
+              </a:rPr>
+              <a:t>-&gt; update project</a:t>
+            </a:r>
+          </a:p>
+          <a:p>
+            <a:pPr marL="285750" indent="-285750">
+              <a:lnSpc>
+                <a:spcPct val="150000"/>
+              </a:lnSpc>
+              <a:buFont typeface="Arial" panose="020B0604020202020204" pitchFamily="34" charset="0"/>
+              <a:buChar char="•"/>
+            </a:pPr>
+            <a:r>
+              <a:rPr lang="en-US" altLang="ko-KR" dirty="0" smtClean="0">
+                <a:latin typeface="+mn-ea"/>
+              </a:rPr>
+              <a:t>-&gt; Run As </a:t>
+            </a:r>
+          </a:p>
+          <a:p>
+            <a:pPr marL="285750" indent="-285750">
+              <a:lnSpc>
+                <a:spcPct val="150000"/>
+              </a:lnSpc>
+              <a:buFont typeface="Arial" panose="020B0604020202020204" pitchFamily="34" charset="0"/>
+              <a:buChar char="•"/>
+            </a:pPr>
+            <a:r>
+              <a:rPr lang="en-US" altLang="ko-KR" dirty="0" smtClean="0">
+                <a:latin typeface="+mn-ea"/>
+              </a:rPr>
+              <a:t>-&gt; Spring boot App </a:t>
+            </a:r>
+            <a:r>
+              <a:rPr lang="ko-KR" altLang="en-US" dirty="0" err="1" smtClean="0">
+                <a:latin typeface="+mn-ea"/>
+              </a:rPr>
+              <a:t>재시작</a:t>
+            </a:r>
+            <a:endParaRPr lang="ko-KR" altLang="en-US" dirty="0">
+              <a:latin typeface="+mn-ea"/>
+            </a:endParaRPr>
+          </a:p>
+        </p:txBody>
+      </p:sp>
+      <p:sp>
+        <p:nvSpPr>
+          <p:cNvPr id="4" name="모서리가 둥근 직사각형 3"/>
+          <p:cNvSpPr/>
+          <p:nvPr/>
+        </p:nvSpPr>
+        <p:spPr>
+          <a:xfrm>
+            <a:off x="1099337" y="4705908"/>
+            <a:ext cx="785122" cy="200047"/>
+          </a:xfrm>
+          <a:prstGeom prst="roundRect">
+            <a:avLst/>
+          </a:prstGeom>
+          <a:noFill/>
+          <a:ln w="28575">
+            <a:solidFill>
+              <a:schemeClr val="accent2"/>
+            </a:solidFill>
+          </a:ln>
+        </p:spPr>
+        <p:style>
+          <a:lnRef idx="2">
+            <a:schemeClr val="accent1">
+              <a:shade val="50000"/>
+            </a:schemeClr>
+          </a:lnRef>
+          <a:fillRef idx="1">
+            <a:schemeClr val="accent1"/>
+          </a:fillRef>
+          <a:effectRef idx="0">
+            <a:schemeClr val="accent1"/>
+          </a:effectRef>
+          <a:fontRef idx="minor">
+            <a:schemeClr val="lt1"/>
+          </a:fontRef>
+        </p:style>
+        <p:txBody>
+          <a:bodyPr rtlCol="0" anchor="ctr"/>
+          <a:lstStyle/>
+          <a:p>
+            <a:pPr algn="ctr"/>
+            <a:endParaRPr lang="ko-KR" altLang="en-US"/>
+          </a:p>
+        </p:txBody>
+      </p:sp>
+      <p:sp>
+        <p:nvSpPr>
+          <p:cNvPr id="5" name="모서리가 둥근 직사각형 4"/>
+          <p:cNvSpPr/>
+          <p:nvPr/>
+        </p:nvSpPr>
+        <p:spPr>
+          <a:xfrm>
+            <a:off x="3207758" y="5526217"/>
+            <a:ext cx="2206924" cy="214625"/>
+          </a:xfrm>
+          <a:prstGeom prst="roundRect">
+            <a:avLst/>
+          </a:prstGeom>
+          <a:noFill/>
+          <a:ln w="28575">
+            <a:solidFill>
+              <a:schemeClr val="accent2"/>
+            </a:solidFill>
+          </a:ln>
+        </p:spPr>
+        <p:style>
+          <a:lnRef idx="2">
+            <a:schemeClr val="accent1">
+              <a:shade val="50000"/>
+            </a:schemeClr>
+          </a:lnRef>
+          <a:fillRef idx="1">
+            <a:schemeClr val="accent1"/>
+          </a:fillRef>
+          <a:effectRef idx="0">
+            <a:schemeClr val="accent1"/>
+          </a:effectRef>
+          <a:fontRef idx="minor">
+            <a:schemeClr val="lt1"/>
+          </a:fontRef>
+        </p:style>
+        <p:txBody>
+          <a:bodyPr rtlCol="0" anchor="ctr"/>
+          <a:lstStyle/>
+          <a:p>
+            <a:pPr algn="ctr"/>
+            <a:endParaRPr lang="ko-KR" altLang="en-US"/>
+          </a:p>
+        </p:txBody>
+      </p:sp>
+      <p:cxnSp>
+        <p:nvCxnSpPr>
+          <p:cNvPr id="6" name="직선 화살표 연결선 5"/>
+          <p:cNvCxnSpPr/>
+          <p:nvPr/>
+        </p:nvCxnSpPr>
+        <p:spPr>
+          <a:xfrm>
+            <a:off x="1884459" y="4805931"/>
+            <a:ext cx="1264179" cy="827598"/>
+          </a:xfrm>
+          <a:prstGeom prst="straightConnector1">
+            <a:avLst/>
+          </a:prstGeom>
+          <a:ln w="28575">
+            <a:solidFill>
+              <a:schemeClr val="accent2"/>
+            </a:solidFill>
+            <a:tailEnd type="triangle"/>
+          </a:ln>
+        </p:spPr>
+        <p:style>
+          <a:lnRef idx="1">
+            <a:schemeClr val="accent1"/>
+          </a:lnRef>
+          <a:fillRef idx="0">
+            <a:schemeClr val="accent1"/>
+          </a:fillRef>
+          <a:effectRef idx="0">
+            <a:schemeClr val="accent1"/>
+          </a:effectRef>
+          <a:fontRef idx="minor">
+            <a:schemeClr val="tx1"/>
+          </a:fontRef>
+        </p:style>
+      </p:cxnSp>
     </p:spTree>
     <p:extLst>
       <p:ext uri="{BB962C8B-B14F-4D97-AF65-F5344CB8AC3E}">
@@ -3913,10 +5586,319 @@
           <a:chExt cx="0" cy="0"/>
         </a:xfrm>
       </p:grpSpPr>
+      <p:pic>
+        <p:nvPicPr>
+          <p:cNvPr id="2" name="그림 1"/>
+          <p:cNvPicPr>
+            <a:picLocks noChangeAspect="1"/>
+          </p:cNvPicPr>
+          <p:nvPr/>
+        </p:nvPicPr>
+        <p:blipFill>
+          <a:blip r:embed="rId2"/>
+          <a:stretch>
+            <a:fillRect/>
+          </a:stretch>
+        </p:blipFill>
+        <p:spPr>
+          <a:xfrm>
+            <a:off x="413389" y="356673"/>
+            <a:ext cx="5891995" cy="6060153"/>
+          </a:xfrm>
+          <a:prstGeom prst="rect">
+            <a:avLst/>
+          </a:prstGeom>
+        </p:spPr>
+      </p:pic>
+      <p:sp>
+        <p:nvSpPr>
+          <p:cNvPr id="3" name="TextBox 2"/>
+          <p:cNvSpPr txBox="1"/>
+          <p:nvPr/>
+        </p:nvSpPr>
+        <p:spPr>
+          <a:xfrm>
+            <a:off x="6521726" y="443002"/>
+            <a:ext cx="5397558" cy="1754326"/>
+          </a:xfrm>
+          <a:prstGeom prst="rect">
+            <a:avLst/>
+          </a:prstGeom>
+          <a:noFill/>
+        </p:spPr>
+        <p:txBody>
+          <a:bodyPr wrap="square" rtlCol="0">
+            <a:spAutoFit/>
+          </a:bodyPr>
+          <a:lstStyle/>
+          <a:p>
+            <a:pPr marL="285750" indent="-285750">
+              <a:buFont typeface="Arial" panose="020B0604020202020204" pitchFamily="34" charset="0"/>
+              <a:buChar char="•"/>
+            </a:pPr>
+            <a:r>
+              <a:rPr lang="en-US" altLang="ko-KR" dirty="0">
+                <a:latin typeface="+mn-ea"/>
+                <a:hlinkClick r:id="rId3"/>
+              </a:rPr>
+              <a:t>https://</a:t>
+            </a:r>
+            <a:r>
+              <a:rPr lang="en-US" altLang="ko-KR" dirty="0" smtClean="0">
+                <a:latin typeface="+mn-ea"/>
+                <a:hlinkClick r:id="rId3"/>
+              </a:rPr>
+              <a:t>mvnrepository.com/artifact/mysql/mysql-connector-java</a:t>
+            </a:r>
+            <a:endParaRPr lang="en-US" altLang="ko-KR" dirty="0" smtClean="0">
+              <a:latin typeface="+mn-ea"/>
+            </a:endParaRPr>
+          </a:p>
+          <a:p>
+            <a:pPr marL="285750" indent="-285750">
+              <a:buFont typeface="Arial" panose="020B0604020202020204" pitchFamily="34" charset="0"/>
+              <a:buChar char="•"/>
+            </a:pPr>
+            <a:endParaRPr lang="en-US" altLang="ko-KR" dirty="0">
+              <a:latin typeface="+mn-ea"/>
+            </a:endParaRPr>
+          </a:p>
+          <a:p>
+            <a:pPr marL="285750" indent="-285750">
+              <a:buFont typeface="Arial" panose="020B0604020202020204" pitchFamily="34" charset="0"/>
+              <a:buChar char="•"/>
+            </a:pPr>
+            <a:r>
+              <a:rPr lang="ko-KR" altLang="en-US" dirty="0" smtClean="0">
+                <a:latin typeface="+mn-ea"/>
+              </a:rPr>
+              <a:t>원하는 버전의 </a:t>
+            </a:r>
+            <a:r>
+              <a:rPr lang="en-US" altLang="ko-KR" dirty="0" smtClean="0">
+                <a:latin typeface="+mn-ea"/>
+              </a:rPr>
+              <a:t>MySQL &lt;dependency&gt; </a:t>
+            </a:r>
+            <a:r>
+              <a:rPr lang="ko-KR" altLang="en-US" dirty="0" smtClean="0">
+                <a:latin typeface="+mn-ea"/>
+              </a:rPr>
+              <a:t>복사</a:t>
+            </a:r>
+            <a:endParaRPr lang="en-US" altLang="ko-KR" dirty="0" smtClean="0">
+              <a:latin typeface="+mn-ea"/>
+            </a:endParaRPr>
+          </a:p>
+          <a:p>
+            <a:pPr marL="285750" indent="-285750">
+              <a:buFont typeface="Arial" panose="020B0604020202020204" pitchFamily="34" charset="0"/>
+              <a:buChar char="•"/>
+            </a:pPr>
+            <a:endParaRPr lang="en-US" altLang="ko-KR" dirty="0">
+              <a:latin typeface="+mn-ea"/>
+            </a:endParaRPr>
+          </a:p>
+          <a:p>
+            <a:pPr marL="285750" indent="-285750">
+              <a:buFont typeface="Arial" panose="020B0604020202020204" pitchFamily="34" charset="0"/>
+              <a:buChar char="•"/>
+            </a:pPr>
+            <a:r>
+              <a:rPr lang="en-US" altLang="ko-KR" dirty="0" smtClean="0">
+                <a:latin typeface="+mn-ea"/>
+              </a:rPr>
+              <a:t>Pom.xml</a:t>
+            </a:r>
+            <a:r>
+              <a:rPr lang="ko-KR" altLang="en-US" dirty="0" smtClean="0">
+                <a:latin typeface="+mn-ea"/>
+              </a:rPr>
+              <a:t>에 </a:t>
+            </a:r>
+            <a:r>
+              <a:rPr lang="ko-KR" altLang="en-US" dirty="0" err="1" smtClean="0">
+                <a:latin typeface="+mn-ea"/>
+              </a:rPr>
+              <a:t>붙여넣기</a:t>
+            </a:r>
+            <a:r>
+              <a:rPr lang="ko-KR" altLang="en-US" dirty="0" smtClean="0">
+                <a:latin typeface="+mn-ea"/>
+              </a:rPr>
+              <a:t> </a:t>
+            </a:r>
+            <a:r>
+              <a:rPr lang="en-US" altLang="ko-KR" dirty="0" smtClean="0">
+                <a:latin typeface="+mn-ea"/>
+              </a:rPr>
+              <a:t> </a:t>
+            </a:r>
+            <a:endParaRPr lang="ko-KR" altLang="en-US" dirty="0">
+              <a:latin typeface="+mn-ea"/>
+            </a:endParaRPr>
+          </a:p>
+        </p:txBody>
+      </p:sp>
+      <p:pic>
+        <p:nvPicPr>
+          <p:cNvPr id="4" name="그림 3"/>
+          <p:cNvPicPr>
+            <a:picLocks noChangeAspect="1"/>
+          </p:cNvPicPr>
+          <p:nvPr/>
+        </p:nvPicPr>
+        <p:blipFill>
+          <a:blip r:embed="rId4"/>
+          <a:stretch>
+            <a:fillRect/>
+          </a:stretch>
+        </p:blipFill>
+        <p:spPr>
+          <a:xfrm>
+            <a:off x="7307249" y="5091894"/>
+            <a:ext cx="4478871" cy="1229517"/>
+          </a:xfrm>
+          <a:prstGeom prst="rect">
+            <a:avLst/>
+          </a:prstGeom>
+        </p:spPr>
+      </p:pic>
+      <p:sp>
+        <p:nvSpPr>
+          <p:cNvPr id="5" name="모서리가 둥근 직사각형 4"/>
+          <p:cNvSpPr/>
+          <p:nvPr/>
+        </p:nvSpPr>
+        <p:spPr>
+          <a:xfrm>
+            <a:off x="2140958" y="6208705"/>
+            <a:ext cx="4164426" cy="225411"/>
+          </a:xfrm>
+          <a:prstGeom prst="roundRect">
+            <a:avLst/>
+          </a:prstGeom>
+          <a:noFill/>
+          <a:ln w="28575">
+            <a:solidFill>
+              <a:schemeClr val="accent2"/>
+            </a:solidFill>
+          </a:ln>
+        </p:spPr>
+        <p:style>
+          <a:lnRef idx="2">
+            <a:schemeClr val="accent1">
+              <a:shade val="50000"/>
+            </a:schemeClr>
+          </a:lnRef>
+          <a:fillRef idx="1">
+            <a:schemeClr val="accent1"/>
+          </a:fillRef>
+          <a:effectRef idx="0">
+            <a:schemeClr val="accent1"/>
+          </a:effectRef>
+          <a:fontRef idx="minor">
+            <a:schemeClr val="lt1"/>
+          </a:fontRef>
+        </p:style>
+        <p:txBody>
+          <a:bodyPr rtlCol="0" anchor="ctr"/>
+          <a:lstStyle/>
+          <a:p>
+            <a:pPr algn="ctr"/>
+            <a:endParaRPr lang="ko-KR" altLang="en-US"/>
+          </a:p>
+        </p:txBody>
+      </p:sp>
+      <p:cxnSp>
+        <p:nvCxnSpPr>
+          <p:cNvPr id="7" name="직선 화살표 연결선 6"/>
+          <p:cNvCxnSpPr>
+            <a:stCxn id="5" idx="3"/>
+            <a:endCxn id="4" idx="1"/>
+          </p:cNvCxnSpPr>
+          <p:nvPr/>
+        </p:nvCxnSpPr>
+        <p:spPr>
+          <a:xfrm flipV="1">
+            <a:off x="6305384" y="5706653"/>
+            <a:ext cx="1001865" cy="614758"/>
+          </a:xfrm>
+          <a:prstGeom prst="straightConnector1">
+            <a:avLst/>
+          </a:prstGeom>
+          <a:ln w="28575">
+            <a:solidFill>
+              <a:schemeClr val="accent2"/>
+            </a:solidFill>
+            <a:tailEnd type="triangle"/>
+          </a:ln>
+        </p:spPr>
+        <p:style>
+          <a:lnRef idx="1">
+            <a:schemeClr val="accent1"/>
+          </a:lnRef>
+          <a:fillRef idx="0">
+            <a:schemeClr val="accent1"/>
+          </a:fillRef>
+          <a:effectRef idx="0">
+            <a:schemeClr val="accent1"/>
+          </a:effectRef>
+          <a:fontRef idx="minor">
+            <a:schemeClr val="tx1"/>
+          </a:fontRef>
+        </p:style>
+      </p:cxnSp>
+      <p:sp>
+        <p:nvSpPr>
+          <p:cNvPr id="8" name="모서리가 둥근 직사각형 7"/>
+          <p:cNvSpPr/>
+          <p:nvPr/>
+        </p:nvSpPr>
+        <p:spPr>
+          <a:xfrm>
+            <a:off x="7353679" y="5550010"/>
+            <a:ext cx="2529792" cy="658696"/>
+          </a:xfrm>
+          <a:prstGeom prst="roundRect">
+            <a:avLst/>
+          </a:prstGeom>
+          <a:noFill/>
+          <a:ln w="28575">
+            <a:solidFill>
+              <a:schemeClr val="accent2"/>
+            </a:solidFill>
+          </a:ln>
+        </p:spPr>
+        <p:style>
+          <a:lnRef idx="2">
+            <a:schemeClr val="accent1">
+              <a:shade val="50000"/>
+            </a:schemeClr>
+          </a:lnRef>
+          <a:fillRef idx="1">
+            <a:schemeClr val="accent1"/>
+          </a:fillRef>
+          <a:effectRef idx="0">
+            <a:schemeClr val="accent1"/>
+          </a:effectRef>
+          <a:fontRef idx="minor">
+            <a:schemeClr val="lt1"/>
+          </a:fontRef>
+        </p:style>
+        <p:txBody>
+          <a:bodyPr rtlCol="0" anchor="ctr"/>
+          <a:lstStyle/>
+          <a:p>
+            <a:pPr algn="ctr"/>
+            <a:endParaRPr lang="ko-KR" altLang="en-US"/>
+          </a:p>
+        </p:txBody>
+      </p:sp>
     </p:spTree>
     <p:extLst>
       <p:ext uri="{BB962C8B-B14F-4D97-AF65-F5344CB8AC3E}">
-        <p14:creationId xmlns:p14="http://schemas.microsoft.com/office/powerpoint/2010/main" val="3605042295"/>
+        <p14:creationId xmlns:p14="http://schemas.microsoft.com/office/powerpoint/2010/main" val="1554271766"/>
       </p:ext>
     </p:extLst>
   </p:cSld>
@@ -3943,10 +5925,333 @@
           <a:chExt cx="0" cy="0"/>
         </a:xfrm>
       </p:grpSpPr>
+      <p:pic>
+        <p:nvPicPr>
+          <p:cNvPr id="2" name="그림 1"/>
+          <p:cNvPicPr>
+            <a:picLocks noChangeAspect="1"/>
+          </p:cNvPicPr>
+          <p:nvPr/>
+        </p:nvPicPr>
+        <p:blipFill>
+          <a:blip r:embed="rId2"/>
+          <a:stretch>
+            <a:fillRect/>
+          </a:stretch>
+        </p:blipFill>
+        <p:spPr>
+          <a:xfrm>
+            <a:off x="388215" y="472449"/>
+            <a:ext cx="4804271" cy="5846707"/>
+          </a:xfrm>
+          <a:prstGeom prst="rect">
+            <a:avLst/>
+          </a:prstGeom>
+        </p:spPr>
+      </p:pic>
+      <p:sp>
+        <p:nvSpPr>
+          <p:cNvPr id="3" name="TextBox 2"/>
+          <p:cNvSpPr txBox="1"/>
+          <p:nvPr/>
+        </p:nvSpPr>
+        <p:spPr>
+          <a:xfrm>
+            <a:off x="5332531" y="472449"/>
+            <a:ext cx="6343436" cy="1709122"/>
+          </a:xfrm>
+          <a:prstGeom prst="rect">
+            <a:avLst/>
+          </a:prstGeom>
+          <a:noFill/>
+        </p:spPr>
+        <p:txBody>
+          <a:bodyPr wrap="square" rtlCol="0">
+            <a:spAutoFit/>
+          </a:bodyPr>
+          <a:lstStyle/>
+          <a:p>
+            <a:pPr marL="285750" indent="-285750">
+              <a:lnSpc>
+                <a:spcPct val="150000"/>
+              </a:lnSpc>
+              <a:buFont typeface="Arial" panose="020B0604020202020204" pitchFamily="34" charset="0"/>
+              <a:buChar char="•"/>
+            </a:pPr>
+            <a:r>
+              <a:rPr lang="ko-KR" altLang="en-US" dirty="0"/>
+              <a:t>메</a:t>
+            </a:r>
+            <a:r>
+              <a:rPr lang="ko-KR" altLang="en-US" dirty="0" smtClean="0"/>
+              <a:t>타데이터에 대한 설정과 의존성과 관련된 리스트</a:t>
+            </a:r>
+            <a:endParaRPr lang="en-US" altLang="ko-KR" dirty="0" smtClean="0"/>
+          </a:p>
+          <a:p>
+            <a:pPr marL="285750" indent="-285750">
+              <a:lnSpc>
+                <a:spcPct val="150000"/>
+              </a:lnSpc>
+              <a:buFont typeface="Arial" panose="020B0604020202020204" pitchFamily="34" charset="0"/>
+              <a:buChar char="•"/>
+            </a:pPr>
+            <a:endParaRPr lang="en-US" altLang="ko-KR" dirty="0" smtClean="0"/>
+          </a:p>
+          <a:p>
+            <a:pPr marL="285750" indent="-285750">
+              <a:lnSpc>
+                <a:spcPct val="150000"/>
+              </a:lnSpc>
+              <a:buFont typeface="Arial" panose="020B0604020202020204" pitchFamily="34" charset="0"/>
+              <a:buChar char="•"/>
+            </a:pPr>
+            <a:r>
+              <a:rPr lang="en-US" altLang="ko-KR" dirty="0" err="1" smtClean="0"/>
+              <a:t>Mysql</a:t>
+            </a:r>
+            <a:r>
+              <a:rPr lang="ko-KR" altLang="en-US" dirty="0" smtClean="0"/>
+              <a:t>을 연결하고 싶다면 이 부분에서 </a:t>
+            </a:r>
+            <a:r>
+              <a:rPr lang="en-US" altLang="ko-KR" dirty="0" smtClean="0"/>
+              <a:t>&lt;dependency&gt;</a:t>
+            </a:r>
+            <a:r>
+              <a:rPr lang="ko-KR" altLang="en-US" dirty="0" smtClean="0"/>
+              <a:t>추가로 입력 저장 해주면 된다</a:t>
+            </a:r>
+            <a:r>
+              <a:rPr lang="en-US" altLang="ko-KR" dirty="0" smtClean="0"/>
+              <a:t>.</a:t>
+            </a:r>
+            <a:endParaRPr lang="ko-KR" altLang="en-US" dirty="0"/>
+          </a:p>
+        </p:txBody>
+      </p:sp>
+      <p:pic>
+        <p:nvPicPr>
+          <p:cNvPr id="4" name="그림 3"/>
+          <p:cNvPicPr>
+            <a:picLocks noChangeAspect="1"/>
+          </p:cNvPicPr>
+          <p:nvPr/>
+        </p:nvPicPr>
+        <p:blipFill>
+          <a:blip r:embed="rId3"/>
+          <a:stretch>
+            <a:fillRect/>
+          </a:stretch>
+        </p:blipFill>
+        <p:spPr>
+          <a:xfrm>
+            <a:off x="5551714" y="2829973"/>
+            <a:ext cx="5905071" cy="1253065"/>
+          </a:xfrm>
+          <a:prstGeom prst="rect">
+            <a:avLst/>
+          </a:prstGeom>
+        </p:spPr>
+      </p:pic>
+      <p:sp>
+        <p:nvSpPr>
+          <p:cNvPr id="5" name="모서리가 둥근 직사각형 4"/>
+          <p:cNvSpPr/>
+          <p:nvPr/>
+        </p:nvSpPr>
+        <p:spPr>
+          <a:xfrm>
+            <a:off x="5551714" y="2829973"/>
+            <a:ext cx="5905071" cy="1253065"/>
+          </a:xfrm>
+          <a:prstGeom prst="roundRect">
+            <a:avLst/>
+          </a:prstGeom>
+          <a:noFill/>
+          <a:ln w="28575">
+            <a:solidFill>
+              <a:schemeClr val="accent2"/>
+            </a:solidFill>
+          </a:ln>
+        </p:spPr>
+        <p:style>
+          <a:lnRef idx="2">
+            <a:schemeClr val="accent1">
+              <a:shade val="50000"/>
+            </a:schemeClr>
+          </a:lnRef>
+          <a:fillRef idx="1">
+            <a:schemeClr val="accent1"/>
+          </a:fillRef>
+          <a:effectRef idx="0">
+            <a:schemeClr val="accent1"/>
+          </a:effectRef>
+          <a:fontRef idx="minor">
+            <a:schemeClr val="lt1"/>
+          </a:fontRef>
+        </p:style>
+        <p:txBody>
+          <a:bodyPr rtlCol="0" anchor="ctr"/>
+          <a:lstStyle/>
+          <a:p>
+            <a:pPr algn="ctr"/>
+            <a:endParaRPr lang="ko-KR" altLang="en-US"/>
+          </a:p>
+        </p:txBody>
+      </p:sp>
+      <p:pic>
+        <p:nvPicPr>
+          <p:cNvPr id="6" name="그림 5"/>
+          <p:cNvPicPr>
+            <a:picLocks noChangeAspect="1"/>
+          </p:cNvPicPr>
+          <p:nvPr/>
+        </p:nvPicPr>
+        <p:blipFill>
+          <a:blip r:embed="rId4"/>
+          <a:stretch>
+            <a:fillRect/>
+          </a:stretch>
+        </p:blipFill>
+        <p:spPr>
+          <a:xfrm>
+            <a:off x="5557274" y="4985934"/>
+            <a:ext cx="5899511" cy="1333222"/>
+          </a:xfrm>
+          <a:prstGeom prst="rect">
+            <a:avLst/>
+          </a:prstGeom>
+        </p:spPr>
+      </p:pic>
+      <p:sp>
+        <p:nvSpPr>
+          <p:cNvPr id="7" name="모서리가 둥근 직사각형 6"/>
+          <p:cNvSpPr/>
+          <p:nvPr/>
+        </p:nvSpPr>
+        <p:spPr>
+          <a:xfrm>
+            <a:off x="5551714" y="4985934"/>
+            <a:ext cx="5905071" cy="1333223"/>
+          </a:xfrm>
+          <a:prstGeom prst="roundRect">
+            <a:avLst/>
+          </a:prstGeom>
+          <a:noFill/>
+          <a:ln w="28575">
+            <a:solidFill>
+              <a:schemeClr val="accent2"/>
+            </a:solidFill>
+          </a:ln>
+        </p:spPr>
+        <p:style>
+          <a:lnRef idx="2">
+            <a:schemeClr val="accent1">
+              <a:shade val="50000"/>
+            </a:schemeClr>
+          </a:lnRef>
+          <a:fillRef idx="1">
+            <a:schemeClr val="accent1"/>
+          </a:fillRef>
+          <a:effectRef idx="0">
+            <a:schemeClr val="accent1"/>
+          </a:effectRef>
+          <a:fontRef idx="minor">
+            <a:schemeClr val="lt1"/>
+          </a:fontRef>
+        </p:style>
+        <p:txBody>
+          <a:bodyPr rtlCol="0" anchor="ctr"/>
+          <a:lstStyle/>
+          <a:p>
+            <a:pPr algn="ctr"/>
+            <a:endParaRPr lang="ko-KR" altLang="en-US"/>
+          </a:p>
+        </p:txBody>
+      </p:sp>
+      <p:sp>
+        <p:nvSpPr>
+          <p:cNvPr id="8" name="아래쪽 화살표 7"/>
+          <p:cNvSpPr/>
+          <p:nvPr/>
+        </p:nvSpPr>
+        <p:spPr>
+          <a:xfrm>
+            <a:off x="8247704" y="4268117"/>
+            <a:ext cx="437322" cy="532738"/>
+          </a:xfrm>
+          <a:prstGeom prst="downArrow">
+            <a:avLst/>
+          </a:prstGeom>
+        </p:spPr>
+        <p:style>
+          <a:lnRef idx="2">
+            <a:schemeClr val="accent1">
+              <a:shade val="50000"/>
+            </a:schemeClr>
+          </a:lnRef>
+          <a:fillRef idx="1">
+            <a:schemeClr val="accent1"/>
+          </a:fillRef>
+          <a:effectRef idx="0">
+            <a:schemeClr val="accent1"/>
+          </a:effectRef>
+          <a:fontRef idx="minor">
+            <a:schemeClr val="lt1"/>
+          </a:fontRef>
+        </p:style>
+        <p:txBody>
+          <a:bodyPr rtlCol="0" anchor="ctr"/>
+          <a:lstStyle/>
+          <a:p>
+            <a:pPr algn="ctr"/>
+            <a:endParaRPr lang="ko-KR" altLang="en-US"/>
+          </a:p>
+        </p:txBody>
+      </p:sp>
+      <p:sp>
+        <p:nvSpPr>
+          <p:cNvPr id="9" name="TextBox 8"/>
+          <p:cNvSpPr txBox="1"/>
+          <p:nvPr/>
+        </p:nvSpPr>
+        <p:spPr>
+          <a:xfrm>
+            <a:off x="9199659" y="4412974"/>
+            <a:ext cx="2695492" cy="369332"/>
+          </a:xfrm>
+          <a:prstGeom prst="rect">
+            <a:avLst/>
+          </a:prstGeom>
+          <a:noFill/>
+        </p:spPr>
+        <p:txBody>
+          <a:bodyPr wrap="square" rtlCol="0">
+            <a:spAutoFit/>
+          </a:bodyPr>
+          <a:lstStyle/>
+          <a:p>
+            <a:r>
+              <a:rPr lang="ko-KR" altLang="en-US" dirty="0" smtClean="0"/>
+              <a:t>연결이 잘 </a:t>
+            </a:r>
+            <a:r>
+              <a:rPr lang="ko-KR" altLang="en-US" dirty="0" err="1" smtClean="0"/>
+              <a:t>안되서</a:t>
+            </a:r>
+            <a:r>
+              <a:rPr lang="ko-KR" altLang="en-US" dirty="0" smtClean="0"/>
+              <a:t> 바꿈</a:t>
+            </a:r>
+            <a:endParaRPr lang="ko-KR" altLang="en-US" dirty="0"/>
+          </a:p>
+        </p:txBody>
+      </p:sp>
     </p:spTree>
     <p:extLst>
       <p:ext uri="{BB962C8B-B14F-4D97-AF65-F5344CB8AC3E}">
-        <p14:creationId xmlns:p14="http://schemas.microsoft.com/office/powerpoint/2010/main" val="1554271766"/>
+        <p14:creationId xmlns:p14="http://schemas.microsoft.com/office/powerpoint/2010/main" val="3605042295"/>
       </p:ext>
     </p:extLst>
   </p:cSld>
